--- a/docs/apresentacao/Apresentacao_la_vem_o_bus.pptx
+++ b/docs/apresentacao/Apresentacao_la_vem_o_bus.pptx
@@ -125,6 +125,7 @@
 <p1510:revInfo xmlns:a="http://schemas.openxmlformats.org/drawingml/2006/main" xmlns:r="http://schemas.openxmlformats.org/officeDocument/2006/relationships" xmlns:p1510="http://schemas.microsoft.com/office/powerpoint/2015/10/main">
   <p1510:revLst>
     <p1510:client id="{323ABD9A-3E74-4E2D-966C-C3507CAD1251}" v="58" dt="2023-04-16T20:55:19.327"/>
+    <p1510:client id="{E81BE652-3293-A6DF-177D-A691BAE0A2C8}" v="10" dt="2023-04-16T21:04:21.882"/>
   </p1510:revLst>
 </p1510:revInfo>
 </file>
@@ -3279,10 +3280,10 @@
       </p:sp>
       <p:pic>
         <p:nvPicPr>
-          <p:cNvPr id="4" name="Imagem 4" descr="Interface gráfica do usuário&#10;&#10;Descrição gerada automaticamente">
+          <p:cNvPr id="6" name="Imagem 6">
             <a:extLst>
               <a:ext uri="{FF2B5EF4-FFF2-40B4-BE49-F238E27FC236}">
-                <a16:creationId xmlns:a16="http://schemas.microsoft.com/office/drawing/2014/main" id="{0EC80CB9-E39A-7FCE-BB87-A2099D0FC249}"/>
+                <a16:creationId xmlns:a16="http://schemas.microsoft.com/office/drawing/2014/main" id="{5C4CF772-37EC-F77A-50C6-FBFC9124CEE4}"/>
               </a:ext>
             </a:extLst>
           </p:cNvPr>
@@ -3302,7 +3303,7 @@
         <p:spPr>
           <a:xfrm>
             <a:off x="2302" y="835"/>
-            <a:ext cx="12187396" cy="6857916"/>
+            <a:ext cx="12187395" cy="6857916"/>
           </a:xfrm>
         </p:spPr>
       </p:pic>
@@ -3363,10 +3364,10 @@
       </p:sp>
       <p:pic>
         <p:nvPicPr>
-          <p:cNvPr id="4" name="Imagem 4" descr="Interface gráfica do usuário, Aplicativo&#10;&#10;Descrição gerada automaticamente">
+          <p:cNvPr id="6" name="Imagem 6">
             <a:extLst>
               <a:ext uri="{FF2B5EF4-FFF2-40B4-BE49-F238E27FC236}">
-                <a16:creationId xmlns:a16="http://schemas.microsoft.com/office/drawing/2014/main" id="{DCD12234-A6F0-4296-AD4A-2DD729E7E744}"/>
+                <a16:creationId xmlns:a16="http://schemas.microsoft.com/office/drawing/2014/main" id="{388E78A6-4A1D-E1DD-CA36-01A6157F2896}"/>
               </a:ext>
             </a:extLst>
           </p:cNvPr>
